--- a/Presentacion/Presentación - Proyecto Final (1).pptx
+++ b/Presentacion/Presentación - Proyecto Final (1).pptx
@@ -5,7 +5,7 @@
     <p:sldMasterId id="2147483752" r:id="rId1"/>
   </p:sldMasterIdLst>
   <p:notesMasterIdLst>
-    <p:notesMasterId r:id="rId13"/>
+    <p:notesMasterId r:id="rId15"/>
   </p:notesMasterIdLst>
   <p:sldIdLst>
     <p:sldId id="256" r:id="rId2"/>
@@ -19,20 +19,22 @@
     <p:sldId id="262" r:id="rId10"/>
     <p:sldId id="263" r:id="rId11"/>
     <p:sldId id="264" r:id="rId12"/>
+    <p:sldId id="267" r:id="rId13"/>
+    <p:sldId id="268" r:id="rId14"/>
   </p:sldIdLst>
   <p:sldSz cx="9144000" cy="5143500" type="screen16x9"/>
   <p:notesSz cx="6858000" cy="9144000"/>
   <p:embeddedFontLst>
     <p:embeddedFont>
       <p:font typeface="Century Gothic" panose="020B0502020202020204" pitchFamily="34" charset="0"/>
-      <p:regular r:id="rId14"/>
-      <p:bold r:id="rId15"/>
-      <p:italic r:id="rId16"/>
-      <p:boldItalic r:id="rId17"/>
+      <p:regular r:id="rId16"/>
+      <p:bold r:id="rId17"/>
+      <p:italic r:id="rId18"/>
+      <p:boldItalic r:id="rId19"/>
     </p:embeddedFont>
     <p:embeddedFont>
       <p:font typeface="Wingdings 3" panose="05040102010807070707" pitchFamily="18" charset="2"/>
-      <p:regular r:id="rId18"/>
+      <p:regular r:id="rId20"/>
     </p:embeddedFont>
   </p:embeddedFontLst>
   <p:defaultTextStyle>
@@ -1029,6 +1031,224 @@
         </p:txBody>
       </p:sp>
     </p:spTree>
+  </p:cSld>
+  <p:clrMapOvr>
+    <a:masterClrMapping/>
+  </p:clrMapOvr>
+</p:notes>
+</file>
+
+<file path=ppt/notesSlides/notesSlide12.xml><?xml version="1.0" encoding="utf-8"?>
+<p:notes xmlns:a="http://schemas.openxmlformats.org/drawingml/2006/main" xmlns:r="http://schemas.openxmlformats.org/officeDocument/2006/relationships" xmlns:p="http://schemas.openxmlformats.org/presentationml/2006/main" showMasterSp="0" showMasterPhAnim="0">
+  <p:cSld>
+    <p:spTree>
+      <p:nvGrpSpPr>
+        <p:cNvPr id="1" name="Shape 104"/>
+        <p:cNvGrpSpPr/>
+        <p:nvPr/>
+      </p:nvGrpSpPr>
+      <p:grpSpPr>
+        <a:xfrm>
+          <a:off x="0" y="0"/>
+          <a:ext cx="0" cy="0"/>
+          <a:chOff x="0" y="0"/>
+          <a:chExt cx="0" cy="0"/>
+        </a:xfrm>
+      </p:grpSpPr>
+      <p:sp>
+        <p:nvSpPr>
+          <p:cNvPr id="105" name="Google Shape;105;g16e1418e9a2_0_92:notes"/>
+          <p:cNvSpPr>
+            <a:spLocks noGrp="1" noRot="1" noChangeAspect="1"/>
+          </p:cNvSpPr>
+          <p:nvPr>
+            <p:ph type="sldImg" idx="2"/>
+          </p:nvPr>
+        </p:nvSpPr>
+        <p:spPr>
+          <a:xfrm>
+            <a:off x="381000" y="685800"/>
+            <a:ext cx="6096000" cy="3429000"/>
+          </a:xfrm>
+          <a:custGeom>
+            <a:avLst/>
+            <a:gdLst/>
+            <a:ahLst/>
+            <a:cxnLst/>
+            <a:rect l="l" t="t" r="r" b="b"/>
+            <a:pathLst>
+              <a:path w="120000" h="120000" extrusionOk="0">
+                <a:moveTo>
+                  <a:pt x="0" y="0"/>
+                </a:moveTo>
+                <a:lnTo>
+                  <a:pt x="120000" y="0"/>
+                </a:lnTo>
+                <a:lnTo>
+                  <a:pt x="120000" y="120000"/>
+                </a:lnTo>
+                <a:lnTo>
+                  <a:pt x="0" y="120000"/>
+                </a:lnTo>
+                <a:close/>
+              </a:path>
+            </a:pathLst>
+          </a:custGeom>
+        </p:spPr>
+      </p:sp>
+      <p:sp>
+        <p:nvSpPr>
+          <p:cNvPr id="106" name="Google Shape;106;g16e1418e9a2_0_92:notes"/>
+          <p:cNvSpPr txBox="1">
+            <a:spLocks noGrp="1"/>
+          </p:cNvSpPr>
+          <p:nvPr>
+            <p:ph type="body" idx="1"/>
+          </p:nvPr>
+        </p:nvSpPr>
+        <p:spPr>
+          <a:xfrm>
+            <a:off x="685800" y="4343400"/>
+            <a:ext cx="5486400" cy="4114800"/>
+          </a:xfrm>
+          <a:prstGeom prst="rect">
+            <a:avLst/>
+          </a:prstGeom>
+        </p:spPr>
+        <p:txBody>
+          <a:bodyPr spcFirstLastPara="1" wrap="square" lIns="91425" tIns="91425" rIns="91425" bIns="91425" anchor="t" anchorCtr="0">
+            <a:noAutofit/>
+          </a:bodyPr>
+          <a:lstStyle/>
+          <a:p>
+            <a:pPr marL="0" lvl="0" indent="0" algn="l" rtl="0">
+              <a:spcBef>
+                <a:spcPts val="0"/>
+              </a:spcBef>
+              <a:spcAft>
+                <a:spcPts val="0"/>
+              </a:spcAft>
+              <a:buNone/>
+            </a:pPr>
+            <a:endParaRPr/>
+          </a:p>
+        </p:txBody>
+      </p:sp>
+    </p:spTree>
+    <p:extLst>
+      <p:ext uri="{BB962C8B-B14F-4D97-AF65-F5344CB8AC3E}">
+        <p14:creationId xmlns:p14="http://schemas.microsoft.com/office/powerpoint/2010/main" val="2582992423"/>
+      </p:ext>
+    </p:extLst>
+  </p:cSld>
+  <p:clrMapOvr>
+    <a:masterClrMapping/>
+  </p:clrMapOvr>
+</p:notes>
+</file>
+
+<file path=ppt/notesSlides/notesSlide13.xml><?xml version="1.0" encoding="utf-8"?>
+<p:notes xmlns:a="http://schemas.openxmlformats.org/drawingml/2006/main" xmlns:r="http://schemas.openxmlformats.org/officeDocument/2006/relationships" xmlns:p="http://schemas.openxmlformats.org/presentationml/2006/main" showMasterSp="0" showMasterPhAnim="0">
+  <p:cSld>
+    <p:spTree>
+      <p:nvGrpSpPr>
+        <p:cNvPr id="1" name="Shape 104"/>
+        <p:cNvGrpSpPr/>
+        <p:nvPr/>
+      </p:nvGrpSpPr>
+      <p:grpSpPr>
+        <a:xfrm>
+          <a:off x="0" y="0"/>
+          <a:ext cx="0" cy="0"/>
+          <a:chOff x="0" y="0"/>
+          <a:chExt cx="0" cy="0"/>
+        </a:xfrm>
+      </p:grpSpPr>
+      <p:sp>
+        <p:nvSpPr>
+          <p:cNvPr id="105" name="Google Shape;105;g16e1418e9a2_0_92:notes"/>
+          <p:cNvSpPr>
+            <a:spLocks noGrp="1" noRot="1" noChangeAspect="1"/>
+          </p:cNvSpPr>
+          <p:nvPr>
+            <p:ph type="sldImg" idx="2"/>
+          </p:nvPr>
+        </p:nvSpPr>
+        <p:spPr>
+          <a:xfrm>
+            <a:off x="381000" y="685800"/>
+            <a:ext cx="6096000" cy="3429000"/>
+          </a:xfrm>
+          <a:custGeom>
+            <a:avLst/>
+            <a:gdLst/>
+            <a:ahLst/>
+            <a:cxnLst/>
+            <a:rect l="l" t="t" r="r" b="b"/>
+            <a:pathLst>
+              <a:path w="120000" h="120000" extrusionOk="0">
+                <a:moveTo>
+                  <a:pt x="0" y="0"/>
+                </a:moveTo>
+                <a:lnTo>
+                  <a:pt x="120000" y="0"/>
+                </a:lnTo>
+                <a:lnTo>
+                  <a:pt x="120000" y="120000"/>
+                </a:lnTo>
+                <a:lnTo>
+                  <a:pt x="0" y="120000"/>
+                </a:lnTo>
+                <a:close/>
+              </a:path>
+            </a:pathLst>
+          </a:custGeom>
+        </p:spPr>
+      </p:sp>
+      <p:sp>
+        <p:nvSpPr>
+          <p:cNvPr id="106" name="Google Shape;106;g16e1418e9a2_0_92:notes"/>
+          <p:cNvSpPr txBox="1">
+            <a:spLocks noGrp="1"/>
+          </p:cNvSpPr>
+          <p:nvPr>
+            <p:ph type="body" idx="1"/>
+          </p:nvPr>
+        </p:nvSpPr>
+        <p:spPr>
+          <a:xfrm>
+            <a:off x="685800" y="4343400"/>
+            <a:ext cx="5486400" cy="4114800"/>
+          </a:xfrm>
+          <a:prstGeom prst="rect">
+            <a:avLst/>
+          </a:prstGeom>
+        </p:spPr>
+        <p:txBody>
+          <a:bodyPr spcFirstLastPara="1" wrap="square" lIns="91425" tIns="91425" rIns="91425" bIns="91425" anchor="t" anchorCtr="0">
+            <a:noAutofit/>
+          </a:bodyPr>
+          <a:lstStyle/>
+          <a:p>
+            <a:pPr marL="0" lvl="0" indent="0" algn="l" rtl="0">
+              <a:spcBef>
+                <a:spcPts val="0"/>
+              </a:spcBef>
+              <a:spcAft>
+                <a:spcPts val="0"/>
+              </a:spcAft>
+              <a:buNone/>
+            </a:pPr>
+            <a:endParaRPr/>
+          </a:p>
+        </p:txBody>
+      </p:sp>
+    </p:spTree>
+    <p:extLst>
+      <p:ext uri="{BB962C8B-B14F-4D97-AF65-F5344CB8AC3E}">
+        <p14:creationId xmlns:p14="http://schemas.microsoft.com/office/powerpoint/2010/main" val="4058256594"/>
+      </p:ext>
+    </p:extLst>
   </p:cSld>
   <p:clrMapOvr>
     <a:masterClrMapping/>
@@ -10893,6 +11113,13 @@
   <p:clrMapOvr>
     <a:masterClrMapping/>
   </p:clrMapOvr>
+  <p:timing>
+    <p:tnLst>
+      <p:par>
+        <p:cTn id="1" dur="indefinite" restart="never" nodeType="tmRoot"/>
+      </p:par>
+    </p:tnLst>
+  </p:timing>
 </p:sld>
 </file>
 
@@ -11007,38 +11234,284 @@
             </a:r>
             <a:r>
               <a:rPr lang="es-419" dirty="0"/>
-              <a:t>: https://github.com/G4BOs/PyGDelicias/commits/main/</a:t>
+              <a:t>: </a:t>
+            </a:r>
+            <a:r>
+              <a:rPr lang="es-419" dirty="0">
+                <a:hlinkClick r:id="rId3"/>
+              </a:rPr>
+              <a:t>https://</a:t>
+            </a:r>
+            <a:r>
+              <a:rPr lang="es-419" dirty="0" smtClean="0">
+                <a:hlinkClick r:id="rId3"/>
+              </a:rPr>
+              <a:t>github.com/G4BOs/PyGDelicias/commits/main/</a:t>
             </a:r>
             <a:endParaRPr lang="es-419" dirty="0" smtClean="0"/>
           </a:p>
           <a:p>
-            <a:pPr marL="457200" lvl="0" indent="-342900" algn="l" rtl="0">
-              <a:spcBef>
-                <a:spcPts val="0"/>
-              </a:spcBef>
-              <a:spcAft>
-                <a:spcPts val="0"/>
-              </a:spcAft>
-              <a:buSzPts val="1800"/>
-              <a:buChar char="●"/>
+            <a:pPr marL="114300" lvl="0" indent="0">
+              <a:buNone/>
             </a:pPr>
-            <a:r>
-              <a:rPr lang="es-419" dirty="0" smtClean="0"/>
-              <a:t>Foto </a:t>
-            </a:r>
-            <a:r>
-              <a:rPr lang="es-419" dirty="0"/>
-              <a:t>de como luce. </a:t>
-            </a:r>
-            <a:endParaRPr dirty="0"/>
-          </a:p>
-        </p:txBody>
-      </p:sp>
+            <a:endParaRPr lang="es-419" dirty="0" smtClean="0"/>
+          </a:p>
+        </p:txBody>
+      </p:sp>
+      <p:pic>
+        <p:nvPicPr>
+          <p:cNvPr id="2" name="Imagen 1"/>
+          <p:cNvPicPr>
+            <a:picLocks noChangeAspect="1"/>
+          </p:cNvPicPr>
+          <p:nvPr/>
+        </p:nvPicPr>
+        <p:blipFill rotWithShape="1">
+          <a:blip r:embed="rId4"/>
+          <a:srcRect l="25344" t="15975" r="25563" b="16857"/>
+          <a:stretch/>
+        </p:blipFill>
+        <p:spPr>
+          <a:xfrm>
+            <a:off x="477981" y="2202929"/>
+            <a:ext cx="3075733" cy="2365946"/>
+          </a:xfrm>
+          <a:prstGeom prst="rect">
+            <a:avLst/>
+          </a:prstGeom>
+        </p:spPr>
+      </p:pic>
+      <p:pic>
+        <p:nvPicPr>
+          <p:cNvPr id="3" name="Imagen 2"/>
+          <p:cNvPicPr>
+            <a:picLocks noChangeAspect="1"/>
+          </p:cNvPicPr>
+          <p:nvPr/>
+        </p:nvPicPr>
+        <p:blipFill rotWithShape="1">
+          <a:blip r:embed="rId5"/>
+          <a:srcRect l="13538" t="15999" r="13771" b="6403"/>
+          <a:stretch/>
+        </p:blipFill>
+        <p:spPr>
+          <a:xfrm>
+            <a:off x="3829722" y="1874639"/>
+            <a:ext cx="4713997" cy="2829261"/>
+          </a:xfrm>
+          <a:prstGeom prst="rect">
+            <a:avLst/>
+          </a:prstGeom>
+        </p:spPr>
+      </p:pic>
     </p:spTree>
   </p:cSld>
   <p:clrMapOvr>
     <a:masterClrMapping/>
   </p:clrMapOvr>
+  <p:timing>
+    <p:tnLst>
+      <p:par>
+        <p:cTn id="1" dur="indefinite" restart="never" nodeType="tmRoot"/>
+      </p:par>
+    </p:tnLst>
+  </p:timing>
+</p:sld>
+</file>
+
+<file path=ppt/slides/slide12.xml><?xml version="1.0" encoding="utf-8"?>
+<p:sld xmlns:a="http://schemas.openxmlformats.org/drawingml/2006/main" xmlns:r="http://schemas.openxmlformats.org/officeDocument/2006/relationships" xmlns:p="http://schemas.openxmlformats.org/presentationml/2006/main">
+  <p:cSld>
+    <p:spTree>
+      <p:nvGrpSpPr>
+        <p:cNvPr id="1" name="Shape 107"/>
+        <p:cNvGrpSpPr/>
+        <p:nvPr/>
+      </p:nvGrpSpPr>
+      <p:grpSpPr>
+        <a:xfrm>
+          <a:off x="0" y="0"/>
+          <a:ext cx="0" cy="0"/>
+          <a:chOff x="0" y="0"/>
+          <a:chExt cx="0" cy="0"/>
+        </a:xfrm>
+      </p:grpSpPr>
+      <p:sp>
+        <p:nvSpPr>
+          <p:cNvPr id="108" name="Google Shape;108;p21"/>
+          <p:cNvSpPr txBox="1">
+            <a:spLocks noGrp="1"/>
+          </p:cNvSpPr>
+          <p:nvPr>
+            <p:ph type="title"/>
+          </p:nvPr>
+        </p:nvSpPr>
+        <p:spPr>
+          <a:prstGeom prst="rect">
+            <a:avLst/>
+          </a:prstGeom>
+        </p:spPr>
+        <p:txBody>
+          <a:bodyPr spcFirstLastPara="1" wrap="square" lIns="91425" tIns="91425" rIns="91425" bIns="91425" anchor="t" anchorCtr="0">
+            <a:normAutofit/>
+          </a:bodyPr>
+          <a:lstStyle/>
+          <a:p>
+            <a:pPr marL="0" lvl="0" indent="0" algn="l" rtl="0">
+              <a:spcBef>
+                <a:spcPts val="0"/>
+              </a:spcBef>
+              <a:spcAft>
+                <a:spcPts val="0"/>
+              </a:spcAft>
+              <a:buNone/>
+            </a:pPr>
+            <a:r>
+              <a:rPr lang="es-419"/>
+              <a:t>El proyecto final: </a:t>
+            </a:r>
+            <a:endParaRPr/>
+          </a:p>
+        </p:txBody>
+      </p:sp>
+      <p:pic>
+        <p:nvPicPr>
+          <p:cNvPr id="2" name="Imagen 1"/>
+          <p:cNvPicPr>
+            <a:picLocks noChangeAspect="1"/>
+          </p:cNvPicPr>
+          <p:nvPr/>
+        </p:nvPicPr>
+        <p:blipFill rotWithShape="1">
+          <a:blip r:embed="rId3"/>
+          <a:srcRect l="-331" t="15797" r="331" b="5184"/>
+          <a:stretch/>
+        </p:blipFill>
+        <p:spPr>
+          <a:xfrm>
+            <a:off x="425893" y="1017450"/>
+            <a:ext cx="8351787" cy="3710414"/>
+          </a:xfrm>
+          <a:prstGeom prst="rect">
+            <a:avLst/>
+          </a:prstGeom>
+        </p:spPr>
+      </p:pic>
+    </p:spTree>
+    <p:extLst>
+      <p:ext uri="{BB962C8B-B14F-4D97-AF65-F5344CB8AC3E}">
+        <p14:creationId xmlns:p14="http://schemas.microsoft.com/office/powerpoint/2010/main" val="2187121968"/>
+      </p:ext>
+    </p:extLst>
+  </p:cSld>
+  <p:clrMapOvr>
+    <a:masterClrMapping/>
+  </p:clrMapOvr>
+  <p:timing>
+    <p:tnLst>
+      <p:par>
+        <p:cTn id="1" dur="indefinite" restart="never" nodeType="tmRoot"/>
+      </p:par>
+    </p:tnLst>
+  </p:timing>
+</p:sld>
+</file>
+
+<file path=ppt/slides/slide13.xml><?xml version="1.0" encoding="utf-8"?>
+<p:sld xmlns:a="http://schemas.openxmlformats.org/drawingml/2006/main" xmlns:r="http://schemas.openxmlformats.org/officeDocument/2006/relationships" xmlns:p="http://schemas.openxmlformats.org/presentationml/2006/main">
+  <p:cSld>
+    <p:spTree>
+      <p:nvGrpSpPr>
+        <p:cNvPr id="1" name="Shape 107"/>
+        <p:cNvGrpSpPr/>
+        <p:nvPr/>
+      </p:nvGrpSpPr>
+      <p:grpSpPr>
+        <a:xfrm>
+          <a:off x="0" y="0"/>
+          <a:ext cx="0" cy="0"/>
+          <a:chOff x="0" y="0"/>
+          <a:chExt cx="0" cy="0"/>
+        </a:xfrm>
+      </p:grpSpPr>
+      <p:sp>
+        <p:nvSpPr>
+          <p:cNvPr id="108" name="Google Shape;108;p21"/>
+          <p:cNvSpPr txBox="1">
+            <a:spLocks noGrp="1"/>
+          </p:cNvSpPr>
+          <p:nvPr>
+            <p:ph type="title"/>
+          </p:nvPr>
+        </p:nvSpPr>
+        <p:spPr>
+          <a:prstGeom prst="rect">
+            <a:avLst/>
+          </a:prstGeom>
+        </p:spPr>
+        <p:txBody>
+          <a:bodyPr spcFirstLastPara="1" wrap="square" lIns="91425" tIns="91425" rIns="91425" bIns="91425" anchor="t" anchorCtr="0">
+            <a:normAutofit/>
+          </a:bodyPr>
+          <a:lstStyle/>
+          <a:p>
+            <a:pPr marL="0" lvl="0" indent="0" algn="l" rtl="0">
+              <a:spcBef>
+                <a:spcPts val="0"/>
+              </a:spcBef>
+              <a:spcAft>
+                <a:spcPts val="0"/>
+              </a:spcAft>
+              <a:buNone/>
+            </a:pPr>
+            <a:r>
+              <a:rPr lang="es-419"/>
+              <a:t>El proyecto final: </a:t>
+            </a:r>
+            <a:endParaRPr/>
+          </a:p>
+        </p:txBody>
+      </p:sp>
+      <p:pic>
+        <p:nvPicPr>
+          <p:cNvPr id="3" name="Imagen 2"/>
+          <p:cNvPicPr>
+            <a:picLocks noChangeAspect="1"/>
+          </p:cNvPicPr>
+          <p:nvPr/>
+        </p:nvPicPr>
+        <p:blipFill rotWithShape="1">
+          <a:blip r:embed="rId3"/>
+          <a:srcRect t="15843" b="5112"/>
+          <a:stretch/>
+        </p:blipFill>
+        <p:spPr>
+          <a:xfrm>
+            <a:off x="503612" y="1226129"/>
+            <a:ext cx="8136776" cy="3616035"/>
+          </a:xfrm>
+          <a:prstGeom prst="rect">
+            <a:avLst/>
+          </a:prstGeom>
+        </p:spPr>
+      </p:pic>
+    </p:spTree>
+    <p:extLst>
+      <p:ext uri="{BB962C8B-B14F-4D97-AF65-F5344CB8AC3E}">
+        <p14:creationId xmlns:p14="http://schemas.microsoft.com/office/powerpoint/2010/main" val="958069282"/>
+      </p:ext>
+    </p:extLst>
+  </p:cSld>
+  <p:clrMapOvr>
+    <a:masterClrMapping/>
+  </p:clrMapOvr>
+  <p:timing>
+    <p:tnLst>
+      <p:par>
+        <p:cTn id="1" dur="indefinite" restart="never" nodeType="tmRoot"/>
+      </p:par>
+    </p:tnLst>
+  </p:timing>
 </p:sld>
 </file>
 
@@ -11108,6 +11581,10 @@
           </p:nvPr>
         </p:nvSpPr>
         <p:spPr>
+          <a:xfrm>
+            <a:off x="976718" y="1194038"/>
+            <a:ext cx="7377573" cy="3416400"/>
+          </a:xfrm>
           <a:prstGeom prst="rect">
             <a:avLst/>
           </a:prstGeom>
@@ -11118,7 +11595,7 @@
           </a:bodyPr>
           <a:lstStyle/>
           <a:p>
-            <a:pPr marL="0" lvl="0" indent="0" algn="l" rtl="0">
+            <a:pPr marL="0" lvl="0" indent="0" algn="just" rtl="0">
               <a:spcBef>
                 <a:spcPts val="0"/>
               </a:spcBef>
@@ -11128,12 +11605,12 @@
               <a:buNone/>
             </a:pPr>
             <a:r>
-              <a:rPr lang="es-419" dirty="0" smtClean="0"/>
+              <a:rPr lang="es-419" sz="1400" dirty="0" smtClean="0"/>
               <a:t>El problema surge con la necesidad de llevar un registro de todos los personales de una empresa que se dedica a la fabricación de alimentos dulces y salados.</a:t>
             </a:r>
           </a:p>
           <a:p>
-            <a:pPr marL="0" lvl="0" indent="0" algn="l" rtl="0">
+            <a:pPr marL="0" lvl="0" indent="0" algn="just" rtl="0">
               <a:spcBef>
                 <a:spcPts val="0"/>
               </a:spcBef>
@@ -11143,47 +11620,47 @@
               <a:buNone/>
             </a:pPr>
             <a:r>
-              <a:rPr lang="es-419" dirty="0" smtClean="0"/>
+              <a:rPr lang="es-419" sz="1400" dirty="0" smtClean="0"/>
               <a:t>Se necesita cargar los datos de los personales como nombre y apellido, cargo, sueldo mensual, días trabajados y que esta nos calcule el monto a cobrar por los días trabajados de ca</a:t>
             </a:r>
             <a:r>
-              <a:rPr lang="es-419" dirty="0" smtClean="0"/>
+              <a:rPr lang="es-419" sz="1400" dirty="0" smtClean="0"/>
               <a:t>da empleado.</a:t>
             </a:r>
-            <a:endParaRPr lang="es-419" dirty="0" smtClean="0"/>
-          </a:p>
-          <a:p>
-            <a:pPr marL="0" lvl="0" indent="0">
+            <a:endParaRPr lang="es-419" sz="1400" dirty="0" smtClean="0"/>
+          </a:p>
+          <a:p>
+            <a:pPr marL="0" lvl="0" indent="0" algn="just">
               <a:spcAft>
                 <a:spcPts val="1200"/>
               </a:spcAft>
               <a:buNone/>
             </a:pPr>
             <a:r>
-              <a:rPr lang="es-419" dirty="0" smtClean="0"/>
+              <a:rPr lang="es-419" sz="1400" dirty="0" smtClean="0"/>
               <a:t>Así también tener un inventario de todos los productos y un acceso a sus redes sociales como Facebook, </a:t>
             </a:r>
             <a:r>
-              <a:rPr lang="es-419" dirty="0" err="1"/>
+              <a:rPr lang="es-419" sz="1400" dirty="0" err="1"/>
               <a:t>I</a:t>
             </a:r>
             <a:r>
-              <a:rPr lang="es-419" dirty="0" err="1" smtClean="0"/>
+              <a:rPr lang="es-419" sz="1400" dirty="0" err="1" smtClean="0"/>
               <a:t>nstagran</a:t>
             </a:r>
             <a:r>
-              <a:rPr lang="es-419" dirty="0"/>
+              <a:rPr lang="es-419" sz="1400" dirty="0"/>
               <a:t> y </a:t>
             </a:r>
             <a:r>
-              <a:rPr lang="es-419" dirty="0" err="1" smtClean="0"/>
+              <a:rPr lang="es-419" sz="1400" dirty="0" err="1" smtClean="0"/>
               <a:t>Whatsapp</a:t>
             </a:r>
             <a:r>
-              <a:rPr lang="es-419" dirty="0" smtClean="0"/>
+              <a:rPr lang="es-419" sz="1400" dirty="0" smtClean="0"/>
               <a:t>.</a:t>
             </a:r>
-            <a:endParaRPr lang="es-419" dirty="0" smtClean="0"/>
+            <a:endParaRPr lang="es-419" sz="1400" dirty="0" smtClean="0"/>
           </a:p>
         </p:txBody>
       </p:sp>
@@ -11426,6 +11903,10 @@
           </p:nvPr>
         </p:nvSpPr>
         <p:spPr>
+          <a:xfrm>
+            <a:off x="311700" y="162750"/>
+            <a:ext cx="8520600" cy="626100"/>
+          </a:xfrm>
           <a:prstGeom prst="rect">
             <a:avLst/>
           </a:prstGeom>
@@ -11446,10 +11927,10 @@
               <a:buNone/>
             </a:pPr>
             <a:r>
-              <a:rPr lang="es-419"/>
+              <a:rPr lang="es-419" dirty="0"/>
               <a:t>Diseño de la Solución</a:t>
             </a:r>
-            <a:endParaRPr/>
+            <a:endParaRPr dirty="0"/>
           </a:p>
         </p:txBody>
       </p:sp>
@@ -11465,8 +11946,8 @@
         </p:nvSpPr>
         <p:spPr>
           <a:xfrm>
-            <a:off x="311700" y="1152474"/>
-            <a:ext cx="8520600" cy="3991025"/>
+            <a:off x="103909" y="788850"/>
+            <a:ext cx="8832273" cy="4354649"/>
           </a:xfrm>
           <a:prstGeom prst="rect">
             <a:avLst/>
@@ -11474,11 +11955,11 @@
         </p:spPr>
         <p:txBody>
           <a:bodyPr spcFirstLastPara="1" wrap="square" lIns="91425" tIns="91425" rIns="91425" bIns="91425" anchor="t" anchorCtr="0">
-            <a:normAutofit/>
+            <a:normAutofit lnSpcReduction="10000"/>
           </a:bodyPr>
           <a:lstStyle/>
           <a:p>
-            <a:pPr marL="0" lvl="0" indent="0" algn="l" rtl="0">
+            <a:pPr marL="0" lvl="0" indent="0" algn="just" rtl="0">
               <a:spcBef>
                 <a:spcPts val="0"/>
               </a:spcBef>
@@ -11494,7 +11975,10 @@
             <a:endParaRPr dirty="0"/>
           </a:p>
           <a:p>
-            <a:pPr marL="457200" lvl="0" indent="-342900" algn="l" rtl="0">
+            <a:pPr marL="457200" lvl="0" indent="-342900" algn="just" rtl="0">
+              <a:lnSpc>
+                <a:spcPct val="110000"/>
+              </a:lnSpc>
               <a:spcBef>
                 <a:spcPts val="1200"/>
               </a:spcBef>
@@ -11518,7 +12002,10 @@
             </a:r>
           </a:p>
           <a:p>
-            <a:pPr marL="457200" lvl="0" indent="-342900" algn="l" rtl="0">
+            <a:pPr marL="457200" lvl="0" indent="-342900" algn="just" rtl="0">
+              <a:lnSpc>
+                <a:spcPct val="110000"/>
+              </a:lnSpc>
               <a:spcBef>
                 <a:spcPts val="1200"/>
               </a:spcBef>
@@ -11562,12 +12049,23 @@
             </a:r>
             <a:r>
               <a:rPr lang="es-ES" dirty="0" smtClean="0"/>
-              <a:t>, además del logo de la empresa y una descripción.</a:t>
+              <a:t>, además del logo de la empresa tres cajas que contendrán información del inventario del personal que asistió en </a:t>
+            </a:r>
+            <a:r>
+              <a:rPr lang="es-ES" dirty="0" err="1" smtClean="0"/>
+              <a:t>en</a:t>
+            </a:r>
+            <a:r>
+              <a:rPr lang="es-ES" dirty="0" smtClean="0"/>
+              <a:t> día y de los pedidos pendientes.</a:t>
             </a:r>
             <a:endParaRPr lang="es-ES" dirty="0"/>
           </a:p>
           <a:p>
-            <a:pPr marL="457200" lvl="0" indent="-342900" algn="l" rtl="0">
+            <a:pPr marL="457200" lvl="0" indent="-342900" algn="just" rtl="0">
+              <a:lnSpc>
+                <a:spcPct val="110000"/>
+              </a:lnSpc>
               <a:spcBef>
                 <a:spcPts val="1200"/>
               </a:spcBef>
@@ -11581,44 +12079,15 @@
               <a:rPr lang="es-ES" dirty="0" smtClean="0"/>
               <a:t>La página de inventario contara con una galería de imágenes de los diferentes menús disponibles y su cantidad.</a:t>
             </a:r>
-            <a:endParaRPr dirty="0"/>
-          </a:p>
-          <a:p>
-            <a:pPr lvl="0"/>
-            <a:r>
-              <a:rPr lang="es-419" dirty="0" smtClean="0"/>
-              <a:t>La página de empleados contara con una lista de empleados de la empresa para la cual se utilizara la API </a:t>
-            </a:r>
-            <a:r>
-              <a:rPr lang="es-419" dirty="0"/>
-              <a:t> </a:t>
-            </a:r>
-            <a:r>
-              <a:rPr lang="es-419" dirty="0" err="1"/>
-              <a:t>Sheet.best</a:t>
-            </a:r>
-            <a:r>
-              <a:rPr lang="es-419" dirty="0"/>
-              <a:t> </a:t>
-            </a:r>
-            <a:r>
-              <a:rPr lang="es-419" dirty="0" smtClean="0"/>
-              <a:t> para guardar los datos de los empleados, la misma esta vinculada a una hoja de Google </a:t>
-            </a:r>
-            <a:r>
-              <a:rPr lang="es-419" dirty="0" err="1" smtClean="0"/>
-              <a:t>Spreadsheets</a:t>
-            </a:r>
-            <a:r>
-              <a:rPr lang="es-419" dirty="0" smtClean="0"/>
-              <a:t>.</a:t>
-            </a:r>
-            <a:endParaRPr lang="es-419" dirty="0"/>
-          </a:p>
-          <a:p>
-            <a:pPr marL="457200" lvl="0" indent="-342900" algn="l" rtl="0">
+            <a:endParaRPr lang="es-ES" dirty="0"/>
+          </a:p>
+          <a:p>
+            <a:pPr marL="457200" lvl="0" indent="-342900" algn="just" rtl="0">
+              <a:lnSpc>
+                <a:spcPct val="110000"/>
+              </a:lnSpc>
               <a:spcBef>
-                <a:spcPts val="0"/>
+                <a:spcPts val="1200"/>
               </a:spcBef>
               <a:spcAft>
                 <a:spcPts val="0"/>
@@ -11628,12 +12097,67 @@
             </a:pPr>
             <a:r>
               <a:rPr lang="es-419" dirty="0" smtClean="0"/>
+              <a:t>La página de empleados contara con una lista de empleados de la empresa para la cual se utilizara la API </a:t>
+            </a:r>
+            <a:r>
+              <a:rPr lang="es-419" dirty="0"/>
+              <a:t> </a:t>
+            </a:r>
+            <a:r>
+              <a:rPr lang="es-419" dirty="0" err="1"/>
+              <a:t>Sheet.best</a:t>
+            </a:r>
+            <a:r>
+              <a:rPr lang="es-419" dirty="0"/>
+              <a:t> </a:t>
+            </a:r>
+            <a:r>
+              <a:rPr lang="es-419" dirty="0" smtClean="0"/>
+              <a:t> para guardar los datos de los empleados, la misma esta vinculada a una hoja de Google </a:t>
+            </a:r>
+            <a:r>
+              <a:rPr lang="es-419" dirty="0" err="1" smtClean="0"/>
+              <a:t>Spreadsheets</a:t>
+            </a:r>
+            <a:r>
+              <a:rPr lang="es-419" dirty="0" smtClean="0"/>
+              <a:t>.</a:t>
+            </a:r>
+          </a:p>
+          <a:p>
+            <a:pPr marL="457200" lvl="0" indent="-342900" algn="just" rtl="0">
+              <a:lnSpc>
+                <a:spcPct val="110000"/>
+              </a:lnSpc>
+              <a:spcBef>
+                <a:spcPts val="1200"/>
+              </a:spcBef>
+              <a:spcAft>
+                <a:spcPts val="0"/>
+              </a:spcAft>
+              <a:buSzPts val="1800"/>
+              <a:buChar char="●"/>
+            </a:pPr>
+            <a:r>
+              <a:rPr lang="es-419" dirty="0" smtClean="0"/>
               <a:t>En la página de empleados crearemos un botón calcular el cual podrá calcular el total a cobrar de cada empleado.</a:t>
             </a:r>
             <a:endParaRPr lang="es-419" dirty="0"/>
           </a:p>
           <a:p>
-            <a:pPr lvl="0"/>
+            <a:pPr marL="457200" lvl="0" indent="-342900" algn="just" rtl="0">
+              <a:lnSpc>
+                <a:spcPct val="110000"/>
+              </a:lnSpc>
+              <a:spcBef>
+                <a:spcPts val="1200"/>
+              </a:spcBef>
+              <a:spcAft>
+                <a:spcPts val="0"/>
+              </a:spcAft>
+              <a:buSzPts val="1800"/>
+              <a:buChar char="●"/>
+            </a:pPr>
             <a:r>
               <a:rPr lang="es-419" dirty="0" smtClean="0"/>
               <a:t>Las paginas de </a:t>
@@ -11723,7 +12247,7 @@
           </a:bodyPr>
           <a:lstStyle/>
           <a:p>
-            <a:pPr marL="0" lvl="0" indent="0" algn="l" rtl="0">
+            <a:pPr marL="0" lvl="0" indent="0" algn="ctr" rtl="0">
               <a:spcBef>
                 <a:spcPts val="0"/>
               </a:spcBef>
@@ -11850,7 +12374,7 @@
           </a:bodyPr>
           <a:lstStyle/>
           <a:p>
-            <a:pPr marL="0" lvl="0" indent="0" algn="l" rtl="0">
+            <a:pPr marL="0" lvl="0" indent="0" algn="ctr" rtl="0">
               <a:spcBef>
                 <a:spcPts val="0"/>
               </a:spcBef>
@@ -11952,7 +12476,7 @@
           </a:bodyPr>
           <a:lstStyle/>
           <a:p>
-            <a:pPr marL="0" lvl="0" indent="0" algn="l" rtl="0">
+            <a:pPr marL="0" lvl="0" indent="0" algn="ctr" rtl="0">
               <a:spcBef>
                 <a:spcPts val="0"/>
               </a:spcBef>
@@ -11991,8 +12515,77 @@
         </p:blipFill>
         <p:spPr>
           <a:xfrm>
-            <a:off x="1355864" y="800100"/>
+            <a:off x="460375" y="862444"/>
             <a:ext cx="4420519" cy="3823153"/>
+          </a:xfrm>
+          <a:prstGeom prst="rect">
+            <a:avLst/>
+          </a:prstGeom>
+        </p:spPr>
+      </p:pic>
+      <p:sp>
+        <p:nvSpPr>
+          <p:cNvPr id="3" name="AutoShape 2" descr="blob:https://web.whatsapp.com/3c89fd7a-f2dc-4ea6-9303-f2bf15f1f903"/>
+          <p:cNvSpPr>
+            <a:spLocks noChangeAspect="1" noChangeArrowheads="1"/>
+          </p:cNvSpPr>
+          <p:nvPr/>
+        </p:nvSpPr>
+        <p:spPr bwMode="auto">
+          <a:xfrm>
+            <a:off x="155575" y="-144463"/>
+            <a:ext cx="304800" cy="304801"/>
+          </a:xfrm>
+          <a:prstGeom prst="rect">
+            <a:avLst/>
+          </a:prstGeom>
+          <a:noFill/>
+          <a:extLst>
+            <a:ext uri="{909E8E84-426E-40DD-AFC4-6F175D3DCCD1}">
+              <a14:hiddenFill xmlns:a14="http://schemas.microsoft.com/office/drawing/2010/main">
+                <a:solidFill>
+                  <a:srgbClr val="FFFFFF"/>
+                </a:solidFill>
+              </a14:hiddenFill>
+            </a:ext>
+          </a:extLst>
+        </p:spPr>
+        <p:txBody>
+          <a:bodyPr vert="horz" wrap="square" lIns="91440" tIns="45720" rIns="91440" bIns="45720" numCol="1" anchor="t" anchorCtr="0" compatLnSpc="1">
+            <a:prstTxWarp prst="textNoShape">
+              <a:avLst/>
+            </a:prstTxWarp>
+          </a:bodyPr>
+          <a:lstStyle/>
+          <a:p>
+            <a:endParaRPr lang="en-US"/>
+          </a:p>
+        </p:txBody>
+      </p:sp>
+      <p:pic>
+        <p:nvPicPr>
+          <p:cNvPr id="6" name="Imagen 5"/>
+          <p:cNvPicPr>
+            <a:picLocks noChangeAspect="1"/>
+          </p:cNvPicPr>
+          <p:nvPr/>
+        </p:nvPicPr>
+        <p:blipFill>
+          <a:blip r:embed="rId4">
+            <a:extLst>
+              <a:ext uri="{28A0092B-C50C-407E-A947-70E740481C1C}">
+                <a14:useLocalDpi xmlns:a14="http://schemas.microsoft.com/office/drawing/2010/main" val="0"/>
+              </a:ext>
+            </a:extLst>
+          </a:blip>
+          <a:stretch>
+            <a:fillRect/>
+          </a:stretch>
+        </p:blipFill>
+        <p:spPr>
+          <a:xfrm>
+            <a:off x="5110535" y="1453923"/>
+            <a:ext cx="3607438" cy="2640194"/>
           </a:xfrm>
           <a:prstGeom prst="rect">
             <a:avLst/>
@@ -12247,6 +12840,13 @@
   <p:clrMapOvr>
     <a:masterClrMapping/>
   </p:clrMapOvr>
+  <p:timing>
+    <p:tnLst>
+      <p:par>
+        <p:cTn id="1" dur="indefinite" restart="never" nodeType="tmRoot"/>
+      </p:par>
+    </p:tnLst>
+  </p:timing>
 </p:sld>
 </file>
 

--- a/Presentacion/Presentación - Proyecto Final (1).pptx
+++ b/Presentacion/Presentación - Proyecto Final (1).pptx
@@ -17,8 +17,8 @@
     <p:sldId id="266" r:id="rId8"/>
     <p:sldId id="261" r:id="rId9"/>
     <p:sldId id="264" r:id="rId10"/>
-    <p:sldId id="267" r:id="rId11"/>
-    <p:sldId id="268" r:id="rId12"/>
+    <p:sldId id="268" r:id="rId11"/>
+    <p:sldId id="267" r:id="rId12"/>
   </p:sldIdLst>
   <p:sldSz cx="9144000" cy="5143500" type="screen16x9"/>
   <p:notesSz cx="6858000" cy="9144000"/>
@@ -927,7 +927,7 @@
     </p:spTree>
     <p:extLst>
       <p:ext uri="{BB962C8B-B14F-4D97-AF65-F5344CB8AC3E}">
-        <p14:creationId xmlns:p14="http://schemas.microsoft.com/office/powerpoint/2010/main" val="2582992423"/>
+        <p14:creationId xmlns:p14="http://schemas.microsoft.com/office/powerpoint/2010/main" val="4058256594"/>
       </p:ext>
     </p:extLst>
   </p:cSld>
@@ -1036,7 +1036,7 @@
     </p:spTree>
     <p:extLst>
       <p:ext uri="{BB962C8B-B14F-4D97-AF65-F5344CB8AC3E}">
-        <p14:creationId xmlns:p14="http://schemas.microsoft.com/office/powerpoint/2010/main" val="4058256594"/>
+        <p14:creationId xmlns:p14="http://schemas.microsoft.com/office/powerpoint/2010/main" val="2582992423"/>
       </p:ext>
     </p:extLst>
   </p:cSld>
@@ -10864,6 +10864,112 @@
       </p:sp>
       <p:pic>
         <p:nvPicPr>
+          <p:cNvPr id="3" name="Imagen 2"/>
+          <p:cNvPicPr>
+            <a:picLocks noChangeAspect="1"/>
+          </p:cNvPicPr>
+          <p:nvPr/>
+        </p:nvPicPr>
+        <p:blipFill rotWithShape="1">
+          <a:blip r:embed="rId3"/>
+          <a:srcRect t="15843" b="5112"/>
+          <a:stretch/>
+        </p:blipFill>
+        <p:spPr>
+          <a:xfrm>
+            <a:off x="503612" y="1226129"/>
+            <a:ext cx="8136776" cy="3616035"/>
+          </a:xfrm>
+          <a:prstGeom prst="rect">
+            <a:avLst/>
+          </a:prstGeom>
+        </p:spPr>
+      </p:pic>
+    </p:spTree>
+    <p:extLst>
+      <p:ext uri="{BB962C8B-B14F-4D97-AF65-F5344CB8AC3E}">
+        <p14:creationId xmlns:p14="http://schemas.microsoft.com/office/powerpoint/2010/main" val="958069282"/>
+      </p:ext>
+    </p:extLst>
+  </p:cSld>
+  <p:clrMapOvr>
+    <a:masterClrMapping/>
+  </p:clrMapOvr>
+  <p:timing>
+    <p:tnLst>
+      <p:par>
+        <p:cTn id="1" dur="indefinite" restart="never" nodeType="tmRoot"/>
+      </p:par>
+    </p:tnLst>
+  </p:timing>
+</p:sld>
+</file>
+
+<file path=ppt/slides/slide11.xml><?xml version="1.0" encoding="utf-8"?>
+<p:sld xmlns:a="http://schemas.openxmlformats.org/drawingml/2006/main" xmlns:r="http://schemas.openxmlformats.org/officeDocument/2006/relationships" xmlns:p="http://schemas.openxmlformats.org/presentationml/2006/main">
+  <p:cSld>
+    <p:spTree>
+      <p:nvGrpSpPr>
+        <p:cNvPr id="1" name="Shape 107"/>
+        <p:cNvGrpSpPr/>
+        <p:nvPr/>
+      </p:nvGrpSpPr>
+      <p:grpSpPr>
+        <a:xfrm>
+          <a:off x="0" y="0"/>
+          <a:ext cx="0" cy="0"/>
+          <a:chOff x="0" y="0"/>
+          <a:chExt cx="0" cy="0"/>
+        </a:xfrm>
+      </p:grpSpPr>
+      <p:sp>
+        <p:nvSpPr>
+          <p:cNvPr id="108" name="Google Shape;108;p21"/>
+          <p:cNvSpPr txBox="1">
+            <a:spLocks noGrp="1"/>
+          </p:cNvSpPr>
+          <p:nvPr>
+            <p:ph type="title"/>
+          </p:nvPr>
+        </p:nvSpPr>
+        <p:spPr>
+          <a:prstGeom prst="rect">
+            <a:avLst/>
+          </a:prstGeom>
+        </p:spPr>
+        <p:txBody>
+          <a:bodyPr spcFirstLastPara="1" wrap="square" lIns="91425" tIns="91425" rIns="91425" bIns="91425" anchor="t" anchorCtr="0">
+            <a:normAutofit/>
+          </a:bodyPr>
+          <a:lstStyle/>
+          <a:p>
+            <a:pPr marL="0" lvl="0" indent="0" algn="ctr" rtl="0">
+              <a:spcBef>
+                <a:spcPts val="0"/>
+              </a:spcBef>
+              <a:spcAft>
+                <a:spcPts val="0"/>
+              </a:spcAft>
+              <a:buNone/>
+            </a:pPr>
+            <a:r>
+              <a:rPr lang="es-419" b="1" dirty="0">
+                <a:solidFill>
+                  <a:schemeClr val="accent1"/>
+                </a:solidFill>
+              </a:rPr>
+              <a:t>El proyecto final: </a:t>
+            </a:r>
+            <a:endParaRPr b="1" dirty="0">
+              <a:solidFill>
+                <a:schemeClr val="accent1"/>
+              </a:solidFill>
+            </a:endParaRPr>
+          </a:p>
+        </p:txBody>
+      </p:sp>
+      <p:pic>
+        <p:nvPicPr>
           <p:cNvPr id="2" name="Imagen 1"/>
           <p:cNvPicPr>
             <a:picLocks noChangeAspect="1"/>
@@ -10905,112 +11011,6 @@
 </p:sld>
 </file>
 
-<file path=ppt/slides/slide11.xml><?xml version="1.0" encoding="utf-8"?>
-<p:sld xmlns:a="http://schemas.openxmlformats.org/drawingml/2006/main" xmlns:r="http://schemas.openxmlformats.org/officeDocument/2006/relationships" xmlns:p="http://schemas.openxmlformats.org/presentationml/2006/main">
-  <p:cSld>
-    <p:spTree>
-      <p:nvGrpSpPr>
-        <p:cNvPr id="1" name="Shape 107"/>
-        <p:cNvGrpSpPr/>
-        <p:nvPr/>
-      </p:nvGrpSpPr>
-      <p:grpSpPr>
-        <a:xfrm>
-          <a:off x="0" y="0"/>
-          <a:ext cx="0" cy="0"/>
-          <a:chOff x="0" y="0"/>
-          <a:chExt cx="0" cy="0"/>
-        </a:xfrm>
-      </p:grpSpPr>
-      <p:sp>
-        <p:nvSpPr>
-          <p:cNvPr id="108" name="Google Shape;108;p21"/>
-          <p:cNvSpPr txBox="1">
-            <a:spLocks noGrp="1"/>
-          </p:cNvSpPr>
-          <p:nvPr>
-            <p:ph type="title"/>
-          </p:nvPr>
-        </p:nvSpPr>
-        <p:spPr>
-          <a:prstGeom prst="rect">
-            <a:avLst/>
-          </a:prstGeom>
-        </p:spPr>
-        <p:txBody>
-          <a:bodyPr spcFirstLastPara="1" wrap="square" lIns="91425" tIns="91425" rIns="91425" bIns="91425" anchor="t" anchorCtr="0">
-            <a:normAutofit/>
-          </a:bodyPr>
-          <a:lstStyle/>
-          <a:p>
-            <a:pPr marL="0" lvl="0" indent="0" algn="ctr" rtl="0">
-              <a:spcBef>
-                <a:spcPts val="0"/>
-              </a:spcBef>
-              <a:spcAft>
-                <a:spcPts val="0"/>
-              </a:spcAft>
-              <a:buNone/>
-            </a:pPr>
-            <a:r>
-              <a:rPr lang="es-419" b="1" dirty="0">
-                <a:solidFill>
-                  <a:schemeClr val="accent1"/>
-                </a:solidFill>
-              </a:rPr>
-              <a:t>El proyecto final: </a:t>
-            </a:r>
-            <a:endParaRPr b="1" dirty="0">
-              <a:solidFill>
-                <a:schemeClr val="accent1"/>
-              </a:solidFill>
-            </a:endParaRPr>
-          </a:p>
-        </p:txBody>
-      </p:sp>
-      <p:pic>
-        <p:nvPicPr>
-          <p:cNvPr id="3" name="Imagen 2"/>
-          <p:cNvPicPr>
-            <a:picLocks noChangeAspect="1"/>
-          </p:cNvPicPr>
-          <p:nvPr/>
-        </p:nvPicPr>
-        <p:blipFill rotWithShape="1">
-          <a:blip r:embed="rId3"/>
-          <a:srcRect t="15843" b="5112"/>
-          <a:stretch/>
-        </p:blipFill>
-        <p:spPr>
-          <a:xfrm>
-            <a:off x="503612" y="1226129"/>
-            <a:ext cx="8136776" cy="3616035"/>
-          </a:xfrm>
-          <a:prstGeom prst="rect">
-            <a:avLst/>
-          </a:prstGeom>
-        </p:spPr>
-      </p:pic>
-    </p:spTree>
-    <p:extLst>
-      <p:ext uri="{BB962C8B-B14F-4D97-AF65-F5344CB8AC3E}">
-        <p14:creationId xmlns:p14="http://schemas.microsoft.com/office/powerpoint/2010/main" val="958069282"/>
-      </p:ext>
-    </p:extLst>
-  </p:cSld>
-  <p:clrMapOvr>
-    <a:masterClrMapping/>
-  </p:clrMapOvr>
-  <p:timing>
-    <p:tnLst>
-      <p:par>
-        <p:cTn id="1" dur="indefinite" restart="never" nodeType="tmRoot"/>
-      </p:par>
-    </p:tnLst>
-  </p:timing>
-</p:sld>
-</file>
-
 <file path=ppt/slides/slide2.xml><?xml version="1.0" encoding="utf-8"?>
 <p:sld xmlns:a="http://schemas.openxmlformats.org/drawingml/2006/main" xmlns:r="http://schemas.openxmlformats.org/officeDocument/2006/relationships" xmlns:p="http://schemas.openxmlformats.org/presentationml/2006/main">
   <p:cSld>
@@ -11489,6 +11489,96 @@
             <a:endParaRPr dirty="0"/>
           </a:p>
           <a:p>
+            <a:pPr lvl="0" algn="just">
+              <a:lnSpc>
+                <a:spcPct val="110000"/>
+              </a:lnSpc>
+              <a:spcBef>
+                <a:spcPts val="1200"/>
+              </a:spcBef>
+            </a:pPr>
+            <a:r>
+              <a:rPr lang="es-419" dirty="0" smtClean="0"/>
+              <a:t>La </a:t>
+            </a:r>
+            <a:r>
+              <a:rPr lang="es-419" dirty="0" smtClean="0"/>
+              <a:t>página </a:t>
+            </a:r>
+            <a:r>
+              <a:rPr lang="es-ES" dirty="0"/>
+              <a:t>Una pagina de </a:t>
+            </a:r>
+            <a:r>
+              <a:rPr lang="es-ES" dirty="0" err="1"/>
+              <a:t>login</a:t>
+            </a:r>
+            <a:r>
+              <a:rPr lang="es-ES" dirty="0"/>
+              <a:t> que contara con un administrador el cual nos llevara a nuestra pagina principal.</a:t>
+            </a:r>
+          </a:p>
+          <a:p>
+            <a:pPr lvl="0" algn="just">
+              <a:lnSpc>
+                <a:spcPct val="110000"/>
+              </a:lnSpc>
+              <a:spcBef>
+                <a:spcPts val="1200"/>
+              </a:spcBef>
+            </a:pPr>
+            <a:r>
+              <a:rPr lang="es-ES" dirty="0"/>
+              <a:t>La pagina principal contara con un menú con las siguientes páginas: Inventario, Personal, Tienda, </a:t>
+            </a:r>
+            <a:r>
+              <a:rPr lang="es-ES" dirty="0" err="1"/>
+              <a:t>Wassap</a:t>
+            </a:r>
+            <a:r>
+              <a:rPr lang="es-ES" dirty="0"/>
+              <a:t>, </a:t>
+            </a:r>
+            <a:r>
+              <a:rPr lang="es-ES" dirty="0" err="1"/>
+              <a:t>Facebbok</a:t>
+            </a:r>
+            <a:r>
+              <a:rPr lang="es-ES" dirty="0"/>
+              <a:t>, </a:t>
+            </a:r>
+            <a:r>
+              <a:rPr lang="es-ES" dirty="0" err="1"/>
+              <a:t>Insatagram</a:t>
+            </a:r>
+            <a:r>
+              <a:rPr lang="es-ES" dirty="0"/>
+              <a:t>, además del logo de la empresa tres cajas que contendrán información del inventario del personal que asistió en </a:t>
+            </a:r>
+            <a:r>
+              <a:rPr lang="es-ES" dirty="0" err="1"/>
+              <a:t>en</a:t>
+            </a:r>
+            <a:r>
+              <a:rPr lang="es-ES" dirty="0"/>
+              <a:t> día y de los pedidos pendientes.</a:t>
+            </a:r>
+          </a:p>
+          <a:p>
+            <a:pPr lvl="0" algn="just">
+              <a:lnSpc>
+                <a:spcPct val="110000"/>
+              </a:lnSpc>
+              <a:spcBef>
+                <a:spcPts val="1200"/>
+              </a:spcBef>
+            </a:pPr>
+            <a:r>
+              <a:rPr lang="es-ES" dirty="0"/>
+              <a:t>La página de inventario contara con una galería de imágenes de los diferentes menús disponibles y su cantidad.</a:t>
+            </a:r>
+          </a:p>
+          <a:p>
             <a:pPr marL="457200" lvl="0" indent="-342900" algn="just" rtl="0">
               <a:lnSpc>
                 <a:spcPct val="110000"/>
@@ -11503,107 +11593,24 @@
               <a:buChar char="●"/>
             </a:pPr>
             <a:r>
+              <a:rPr lang="es-419" dirty="0" smtClean="0"/>
+              <a:t>La p</a:t>
+            </a:r>
+            <a:r>
+              <a:rPr lang="es-ES" dirty="0" err="1" smtClean="0"/>
+              <a:t>ágina</a:t>
+            </a:r>
+            <a:r>
               <a:rPr lang="es-ES" dirty="0" smtClean="0"/>
-              <a:t>Una pagina de </a:t>
-            </a:r>
-            <a:r>
-              <a:rPr lang="es-ES" dirty="0" err="1" smtClean="0"/>
-              <a:t>login</a:t>
-            </a:r>
-            <a:r>
-              <a:rPr lang="es-ES" dirty="0" smtClean="0"/>
-              <a:t> que contara con un administrador el cual nos llevara a nuestra pagina principal.</a:t>
-            </a:r>
-          </a:p>
-          <a:p>
-            <a:pPr marL="457200" lvl="0" indent="-342900" algn="just" rtl="0">
-              <a:lnSpc>
-                <a:spcPct val="110000"/>
-              </a:lnSpc>
-              <a:spcBef>
-                <a:spcPts val="1200"/>
-              </a:spcBef>
-              <a:spcAft>
-                <a:spcPts val="0"/>
-              </a:spcAft>
-              <a:buSzPts val="1800"/>
-              <a:buChar char="●"/>
-            </a:pPr>
-            <a:r>
-              <a:rPr lang="es-ES" dirty="0" smtClean="0"/>
-              <a:t>La pagina principal contara con un menú con las siguientes páginas: Inventario, Personal, Tienda, </a:t>
-            </a:r>
-            <a:r>
-              <a:rPr lang="es-ES" dirty="0" err="1" smtClean="0"/>
-              <a:t>Wassap</a:t>
-            </a:r>
-            <a:r>
-              <a:rPr lang="es-ES" dirty="0" smtClean="0"/>
-              <a:t>, </a:t>
-            </a:r>
-            <a:r>
-              <a:rPr lang="es-ES" dirty="0" err="1" smtClean="0"/>
-              <a:t>Facebbok</a:t>
-            </a:r>
-            <a:r>
-              <a:rPr lang="es-ES" dirty="0" smtClean="0"/>
-              <a:t>, </a:t>
-            </a:r>
-            <a:r>
-              <a:rPr lang="es-ES" dirty="0" err="1" smtClean="0"/>
-              <a:t>Insatagram</a:t>
-            </a:r>
-            <a:r>
-              <a:rPr lang="es-ES" dirty="0" smtClean="0"/>
-              <a:t>, además del logo de la empresa tres cajas que contendrán información del inventario del personal que asistió en </a:t>
-            </a:r>
-            <a:r>
-              <a:rPr lang="es-ES" dirty="0" err="1" smtClean="0"/>
-              <a:t>en</a:t>
-            </a:r>
-            <a:r>
-              <a:rPr lang="es-ES" dirty="0" smtClean="0"/>
-              <a:t> día y de los pedidos pendientes.</a:t>
-            </a:r>
-            <a:endParaRPr lang="es-ES" dirty="0"/>
-          </a:p>
-          <a:p>
-            <a:pPr marL="457200" lvl="0" indent="-342900" algn="just" rtl="0">
-              <a:lnSpc>
-                <a:spcPct val="110000"/>
-              </a:lnSpc>
-              <a:spcBef>
-                <a:spcPts val="1200"/>
-              </a:spcBef>
-              <a:spcAft>
-                <a:spcPts val="0"/>
-              </a:spcAft>
-              <a:buSzPts val="1800"/>
-              <a:buChar char="●"/>
-            </a:pPr>
-            <a:r>
-              <a:rPr lang="es-ES" dirty="0" smtClean="0"/>
-              <a:t>La página de inventario contara con una galería de imágenes de los diferentes menús disponibles y su cantidad.</a:t>
-            </a:r>
-            <a:endParaRPr lang="es-ES" dirty="0"/>
-          </a:p>
-          <a:p>
-            <a:pPr marL="457200" lvl="0" indent="-342900" algn="just" rtl="0">
-              <a:lnSpc>
-                <a:spcPct val="110000"/>
-              </a:lnSpc>
-              <a:spcBef>
-                <a:spcPts val="1200"/>
-              </a:spcBef>
-              <a:spcAft>
-                <a:spcPts val="0"/>
-              </a:spcAft>
-              <a:buSzPts val="1800"/>
-              <a:buChar char="●"/>
-            </a:pPr>
+              <a:t> </a:t>
+            </a:r>
             <a:r>
               <a:rPr lang="es-419" dirty="0" smtClean="0"/>
-              <a:t>La página de empleados contara con una lista de empleados de la empresa para la cual se utilizara la API </a:t>
+              <a:t>de </a:t>
+            </a:r>
+            <a:r>
+              <a:rPr lang="es-419" dirty="0" smtClean="0"/>
+              <a:t>empleados contara con una lista de empleados de la empresa para la cual se utilizara la API </a:t>
             </a:r>
             <a:r>
               <a:rPr lang="es-419" dirty="0"/>
